--- a/materials/slides/ch10-swoole-message-server.pptx
+++ b/materials/slides/ch10-swoole-message-server.pptx
@@ -225,7 +225,7 @@
           <a:p>
             <a:fld id="{E923E828-953C-4D4A-9B10-11E7329F433D}" type="datetimeFigureOut">
               <a:rPr lang="zh-CN" altLang="en-US" smtClean="0"/>
-              <a:t>2018/2/7</a:t>
+              <a:t>2018/2/28</a:t>
             </a:fld>
             <a:endParaRPr lang="zh-CN" altLang="en-US"/>
           </a:p>
@@ -406,7 +406,7 @@
           <a:p>
             <a:fld id="{867C5346-22E5-4085-8130-851344A84DFF}" type="datetimeFigureOut">
               <a:rPr lang="zh-CN" altLang="en-US" smtClean="0"/>
-              <a:t>2018/2/7</a:t>
+              <a:t>2018/2/28</a:t>
             </a:fld>
             <a:endParaRPr lang="zh-CN" altLang="en-US"/>
           </a:p>
@@ -1672,7 +1672,7 @@
           <a:p>
             <a:fld id="{A5E21016-498F-4141-B0CA-D95A38CA7D62}" type="datetimeFigureOut">
               <a:rPr lang="zh-CN" altLang="en-US" smtClean="0"/>
-              <a:t>2018/2/7</a:t>
+              <a:t>2018/2/28</a:t>
             </a:fld>
             <a:endParaRPr lang="zh-CN" altLang="en-US"/>
           </a:p>
@@ -1902,7 +1902,7 @@
           <a:p>
             <a:fld id="{A5E21016-498F-4141-B0CA-D95A38CA7D62}" type="datetimeFigureOut">
               <a:rPr lang="zh-CN" altLang="en-US" smtClean="0"/>
-              <a:t>2018/2/7</a:t>
+              <a:t>2018/2/28</a:t>
             </a:fld>
             <a:endParaRPr lang="zh-CN" altLang="en-US"/>
           </a:p>
@@ -2137,7 +2137,7 @@
           <a:p>
             <a:fld id="{A5E21016-498F-4141-B0CA-D95A38CA7D62}" type="datetimeFigureOut">
               <a:rPr lang="zh-CN" altLang="en-US" smtClean="0"/>
-              <a:t>2018/2/7</a:t>
+              <a:t>2018/2/28</a:t>
             </a:fld>
             <a:endParaRPr lang="zh-CN" altLang="en-US"/>
           </a:p>
@@ -2699,7 +2699,7 @@
           <a:p>
             <a:fld id="{A5E21016-498F-4141-B0CA-D95A38CA7D62}" type="datetimeFigureOut">
               <a:rPr lang="zh-CN" altLang="en-US" smtClean="0"/>
-              <a:t>2018/2/7</a:t>
+              <a:t>2018/2/28</a:t>
             </a:fld>
             <a:endParaRPr lang="zh-CN" altLang="en-US"/>
           </a:p>
@@ -2996,7 +2996,7 @@
           <a:p>
             <a:fld id="{A5E21016-498F-4141-B0CA-D95A38CA7D62}" type="datetimeFigureOut">
               <a:rPr lang="zh-CN" altLang="en-US" smtClean="0"/>
-              <a:t>2018/2/7</a:t>
+              <a:t>2018/2/28</a:t>
             </a:fld>
             <a:endParaRPr lang="zh-CN" altLang="en-US"/>
           </a:p>
@@ -3435,7 +3435,7 @@
           <a:p>
             <a:fld id="{A5E21016-498F-4141-B0CA-D95A38CA7D62}" type="datetimeFigureOut">
               <a:rPr lang="zh-CN" altLang="en-US" smtClean="0"/>
-              <a:t>2018/2/7</a:t>
+              <a:t>2018/2/28</a:t>
             </a:fld>
             <a:endParaRPr lang="zh-CN" altLang="en-US"/>
           </a:p>
@@ -3608,7 +3608,7 @@
           <a:p>
             <a:fld id="{A5E21016-498F-4141-B0CA-D95A38CA7D62}" type="datetimeFigureOut">
               <a:rPr lang="zh-CN" altLang="en-US" smtClean="0"/>
-              <a:t>2018/2/7</a:t>
+              <a:t>2018/2/28</a:t>
             </a:fld>
             <a:endParaRPr lang="zh-CN" altLang="en-US"/>
           </a:p>
@@ -3745,7 +3745,7 @@
           <a:p>
             <a:fld id="{A5E21016-498F-4141-B0CA-D95A38CA7D62}" type="datetimeFigureOut">
               <a:rPr lang="zh-CN" altLang="en-US" smtClean="0"/>
-              <a:t>2018/2/7</a:t>
+              <a:t>2018/2/28</a:t>
             </a:fld>
             <a:endParaRPr lang="zh-CN" altLang="en-US"/>
           </a:p>
@@ -4083,7 +4083,7 @@
           <a:p>
             <a:fld id="{A5E21016-498F-4141-B0CA-D95A38CA7D62}" type="datetimeFigureOut">
               <a:rPr lang="zh-CN" altLang="en-US" smtClean="0"/>
-              <a:t>2018/2/7</a:t>
+              <a:t>2018/2/28</a:t>
             </a:fld>
             <a:endParaRPr lang="zh-CN" altLang="en-US"/>
           </a:p>
@@ -4398,7 +4398,7 @@
           <a:p>
             <a:fld id="{A5E21016-498F-4141-B0CA-D95A38CA7D62}" type="datetimeFigureOut">
               <a:rPr lang="zh-CN" altLang="en-US" smtClean="0"/>
-              <a:t>2018/2/7</a:t>
+              <a:t>2018/2/28</a:t>
             </a:fld>
             <a:endParaRPr lang="zh-CN" altLang="en-US"/>
           </a:p>
@@ -4997,7 +4997,7 @@
         <p:spPr>
           <a:xfrm>
             <a:off x="672483" y="1012055"/>
-            <a:ext cx="10847034" cy="5170646"/>
+            <a:ext cx="10847034" cy="4893647"/>
           </a:xfrm>
           <a:prstGeom prst="rect">
             <a:avLst/>
@@ -5012,11 +5012,19 @@
           <a:p>
             <a:r>
               <a:rPr lang="en-US" altLang="zh-CN" sz="3200" dirty="0"/>
+              <a:t>Linux</a:t>
+            </a:r>
+            <a:r>
+              <a:rPr lang="zh-CN" altLang="en-US" sz="3200" dirty="0"/>
+              <a:t>平台</a:t>
+            </a:r>
+            <a:r>
+              <a:rPr lang="en-US" altLang="zh-CN" sz="3200" dirty="0"/>
               <a:t>PHP</a:t>
             </a:r>
             <a:r>
               <a:rPr lang="zh-CN" altLang="en-US" sz="3200" dirty="0"/>
-              <a:t>底层开发 </a:t>
+              <a:t>服务端开发</a:t>
             </a:r>
             <a:r>
               <a:rPr lang="en-US" altLang="zh-CN" sz="3200" dirty="0"/>
@@ -5037,73 +5045,14 @@
           </a:p>
           <a:p>
             <a:pPr algn="ctr"/>
-            <a:r>
-              <a:rPr lang="en-US" altLang="zh-CN" dirty="0">
-                <a:solidFill>
-                  <a:schemeClr val="tx1">
-                    <a:lumMod val="50000"/>
-                    <a:lumOff val="50000"/>
-                  </a:schemeClr>
-                </a:solidFill>
-              </a:rPr>
-              <a:t>1  0  0  1</a:t>
-            </a:r>
-          </a:p>
-          <a:p>
-            <a:pPr algn="ctr"/>
-            <a:r>
-              <a:rPr lang="en-US" altLang="zh-CN" dirty="0">
-                <a:solidFill>
-                  <a:schemeClr val="tx1">
-                    <a:lumMod val="50000"/>
-                    <a:lumOff val="50000"/>
-                  </a:schemeClr>
-                </a:solidFill>
-              </a:rPr>
-              <a:t>0  1  1  0</a:t>
-            </a:r>
-          </a:p>
-          <a:p>
-            <a:pPr algn="ctr"/>
-            <a:r>
-              <a:rPr lang="en-US" altLang="zh-CN" dirty="0">
-                <a:solidFill>
-                  <a:schemeClr val="tx1">
-                    <a:lumMod val="50000"/>
-                    <a:lumOff val="50000"/>
-                  </a:schemeClr>
-                </a:solidFill>
-              </a:rPr>
-              <a:t>1  0  0  1</a:t>
-            </a:r>
-          </a:p>
-          <a:p>
-            <a:pPr algn="ctr"/>
-            <a:r>
-              <a:rPr lang="en-US" altLang="zh-CN" dirty="0">
-                <a:solidFill>
-                  <a:schemeClr val="tx1">
-                    <a:lumMod val="50000"/>
-                    <a:lumOff val="50000"/>
-                  </a:schemeClr>
-                </a:solidFill>
-              </a:rPr>
-              <a:t>0  1  1  0</a:t>
-            </a:r>
-          </a:p>
-          <a:p>
-            <a:pPr algn="ctr"/>
-            <a:r>
-              <a:rPr lang="en-US" altLang="zh-CN" dirty="0">
-                <a:solidFill>
-                  <a:schemeClr val="tx1">
-                    <a:lumMod val="50000"/>
-                    <a:lumOff val="50000"/>
-                  </a:schemeClr>
-                </a:solidFill>
-              </a:rPr>
-              <a:t>1  0  0  1</a:t>
-            </a:r>
+            <a:endParaRPr lang="en-US" altLang="zh-CN" dirty="0">
+              <a:solidFill>
+                <a:schemeClr val="tx1">
+                  <a:lumMod val="50000"/>
+                  <a:lumOff val="50000"/>
+                </a:schemeClr>
+              </a:solidFill>
+            </a:endParaRPr>
           </a:p>
           <a:p>
             <a:pPr algn="ctr"/>
@@ -5111,9 +5060,25 @@
           </a:p>
           <a:p>
             <a:pPr algn="ctr"/>
+            <a:endParaRPr lang="en-US" altLang="zh-CN" dirty="0"/>
+          </a:p>
+          <a:p>
+            <a:pPr algn="ctr"/>
+            <a:endParaRPr lang="en-US" altLang="zh-CN" dirty="0"/>
+          </a:p>
+          <a:p>
+            <a:pPr algn="ctr"/>
+            <a:endParaRPr lang="en-US" altLang="zh-CN" dirty="0"/>
+          </a:p>
+          <a:p>
+            <a:pPr algn="ctr"/>
+            <a:r>
+              <a:rPr lang="zh-CN" altLang="en-US" sz="2800"/>
+              <a:t>第十讲 简单</a:t>
+            </a:r>
             <a:r>
               <a:rPr lang="zh-CN" altLang="en-US" sz="2800" dirty="0"/>
-              <a:t>简单的</a:t>
+              <a:t>的</a:t>
             </a:r>
             <a:r>
               <a:rPr lang="en-US" altLang="zh-CN" sz="2800" dirty="0"/>
@@ -5139,61 +5104,6 @@
           </a:p>
           <a:p>
             <a:endParaRPr lang="en-US" altLang="zh-CN" dirty="0"/>
-          </a:p>
-        </p:txBody>
-      </p:sp>
-      <p:sp>
-        <p:nvSpPr>
-          <p:cNvPr id="4" name="云形 3">
-            <a:extLst>
-              <a:ext uri="{FF2B5EF4-FFF2-40B4-BE49-F238E27FC236}">
-                <a16:creationId xmlns:a16="http://schemas.microsoft.com/office/drawing/2014/main" id="{FB93CA04-9A10-4FDC-B520-5825D0C2A77A}"/>
-              </a:ext>
-            </a:extLst>
-          </p:cNvPr>
-          <p:cNvSpPr/>
-          <p:nvPr/>
-        </p:nvSpPr>
-        <p:spPr>
-          <a:xfrm>
-            <a:off x="4685710" y="1632582"/>
-            <a:ext cx="2521259" cy="1020932"/>
-          </a:xfrm>
-          <a:prstGeom prst="cloud">
-            <a:avLst/>
-          </a:prstGeom>
-          <a:noFill/>
-          <a:ln>
-            <a:solidFill>
-              <a:schemeClr val="tx1">
-                <a:lumMod val="65000"/>
-                <a:lumOff val="35000"/>
-              </a:schemeClr>
-            </a:solidFill>
-          </a:ln>
-        </p:spPr>
-        <p:style>
-          <a:lnRef idx="2">
-            <a:schemeClr val="accent1">
-              <a:shade val="50000"/>
-            </a:schemeClr>
-          </a:lnRef>
-          <a:fillRef idx="1">
-            <a:schemeClr val="accent1"/>
-          </a:fillRef>
-          <a:effectRef idx="0">
-            <a:schemeClr val="accent1"/>
-          </a:effectRef>
-          <a:fontRef idx="minor">
-            <a:schemeClr val="lt1"/>
-          </a:fontRef>
-        </p:style>
-        <p:txBody>
-          <a:bodyPr rtlCol="0" anchor="ctr"/>
-          <a:lstStyle/>
-          <a:p>
-            <a:pPr algn="ctr"/>
-            <a:endParaRPr lang="zh-CN" altLang="en-US"/>
           </a:p>
         </p:txBody>
       </p:sp>

--- a/materials/slides/ch10-swoole-message-server.pptx
+++ b/materials/slides/ch10-swoole-message-server.pptx
@@ -5,10 +5,10 @@
     <p:sldMasterId id="2147483648" r:id="rId1"/>
   </p:sldMasterIdLst>
   <p:notesMasterIdLst>
-    <p:notesMasterId r:id="rId13"/>
+    <p:notesMasterId r:id="rId14"/>
   </p:notesMasterIdLst>
   <p:handoutMasterIdLst>
-    <p:handoutMasterId r:id="rId14"/>
+    <p:handoutMasterId r:id="rId15"/>
   </p:handoutMasterIdLst>
   <p:sldIdLst>
     <p:sldId id="257" r:id="rId2"/>
@@ -22,6 +22,7 @@
     <p:sldId id="303" r:id="rId10"/>
     <p:sldId id="302" r:id="rId11"/>
     <p:sldId id="300" r:id="rId12"/>
+    <p:sldId id="305" r:id="rId13"/>
   </p:sldIdLst>
   <p:sldSz cx="12192000" cy="6858000"/>
   <p:notesSz cx="6858000" cy="9144000"/>
@@ -225,7 +226,7 @@
           <a:p>
             <a:fld id="{E923E828-953C-4D4A-9B10-11E7329F433D}" type="datetimeFigureOut">
               <a:rPr lang="zh-CN" altLang="en-US" smtClean="0"/>
-              <a:t>2018/2/28</a:t>
+              <a:t>2018/4/10</a:t>
             </a:fld>
             <a:endParaRPr lang="zh-CN" altLang="en-US"/>
           </a:p>
@@ -406,7 +407,7 @@
           <a:p>
             <a:fld id="{867C5346-22E5-4085-8130-851344A84DFF}" type="datetimeFigureOut">
               <a:rPr lang="zh-CN" altLang="en-US" smtClean="0"/>
-              <a:t>2018/2/28</a:t>
+              <a:t>2018/4/10</a:t>
             </a:fld>
             <a:endParaRPr lang="zh-CN" altLang="en-US"/>
           </a:p>
@@ -842,6 +843,90 @@
 </p:notes>
 </file>
 
+<file path=ppt/notesSlides/notesSlide11.xml><?xml version="1.0" encoding="utf-8"?>
+<p:notes xmlns:a="http://schemas.openxmlformats.org/drawingml/2006/main" xmlns:r="http://schemas.openxmlformats.org/officeDocument/2006/relationships" xmlns:p="http://schemas.openxmlformats.org/presentationml/2006/main">
+  <p:cSld>
+    <p:spTree>
+      <p:nvGrpSpPr>
+        <p:cNvPr id="1" name=""/>
+        <p:cNvGrpSpPr/>
+        <p:nvPr/>
+      </p:nvGrpSpPr>
+      <p:grpSpPr>
+        <a:xfrm>
+          <a:off x="0" y="0"/>
+          <a:ext cx="0" cy="0"/>
+          <a:chOff x="0" y="0"/>
+          <a:chExt cx="0" cy="0"/>
+        </a:xfrm>
+      </p:grpSpPr>
+      <p:sp>
+        <p:nvSpPr>
+          <p:cNvPr id="2" name="幻灯片图像占位符 1"/>
+          <p:cNvSpPr>
+            <a:spLocks noGrp="1" noRot="1" noChangeAspect="1"/>
+          </p:cNvSpPr>
+          <p:nvPr>
+            <p:ph type="sldImg"/>
+          </p:nvPr>
+        </p:nvSpPr>
+        <p:spPr/>
+      </p:sp>
+      <p:sp>
+        <p:nvSpPr>
+          <p:cNvPr id="3" name="备注占位符 2"/>
+          <p:cNvSpPr>
+            <a:spLocks noGrp="1"/>
+          </p:cNvSpPr>
+          <p:nvPr>
+            <p:ph type="body" idx="1"/>
+          </p:nvPr>
+        </p:nvSpPr>
+        <p:spPr/>
+        <p:txBody>
+          <a:bodyPr/>
+          <a:lstStyle/>
+          <a:p>
+            <a:endParaRPr lang="zh-CN" altLang="en-US" dirty="0"/>
+          </a:p>
+        </p:txBody>
+      </p:sp>
+      <p:sp>
+        <p:nvSpPr>
+          <p:cNvPr id="4" name="灯片编号占位符 3"/>
+          <p:cNvSpPr>
+            <a:spLocks noGrp="1"/>
+          </p:cNvSpPr>
+          <p:nvPr>
+            <p:ph type="sldNum" sz="quarter" idx="10"/>
+          </p:nvPr>
+        </p:nvSpPr>
+        <p:spPr/>
+        <p:txBody>
+          <a:bodyPr/>
+          <a:lstStyle/>
+          <a:p>
+            <a:fld id="{9FB975F3-1C40-4D40-A7FE-36EEB7CAFC85}" type="slidenum">
+              <a:rPr lang="zh-CN" altLang="en-US" smtClean="0"/>
+              <a:t>12</a:t>
+            </a:fld>
+            <a:endParaRPr lang="zh-CN" altLang="en-US"/>
+          </a:p>
+        </p:txBody>
+      </p:sp>
+    </p:spTree>
+    <p:extLst>
+      <p:ext uri="{BB962C8B-B14F-4D97-AF65-F5344CB8AC3E}">
+        <p14:creationId xmlns:p14="http://schemas.microsoft.com/office/powerpoint/2010/main" val="904996364"/>
+      </p:ext>
+    </p:extLst>
+  </p:cSld>
+  <p:clrMapOvr>
+    <a:masterClrMapping/>
+  </p:clrMapOvr>
+</p:notes>
+</file>
+
 <file path=ppt/notesSlides/notesSlide2.xml><?xml version="1.0" encoding="utf-8"?>
 <p:notes xmlns:a="http://schemas.openxmlformats.org/drawingml/2006/main" xmlns:r="http://schemas.openxmlformats.org/officeDocument/2006/relationships" xmlns:p="http://schemas.openxmlformats.org/presentationml/2006/main">
   <p:cSld>
@@ -1672,7 +1757,7 @@
           <a:p>
             <a:fld id="{A5E21016-498F-4141-B0CA-D95A38CA7D62}" type="datetimeFigureOut">
               <a:rPr lang="zh-CN" altLang="en-US" smtClean="0"/>
-              <a:t>2018/2/28</a:t>
+              <a:t>2018/4/10</a:t>
             </a:fld>
             <a:endParaRPr lang="zh-CN" altLang="en-US"/>
           </a:p>
@@ -1902,7 +1987,7 @@
           <a:p>
             <a:fld id="{A5E21016-498F-4141-B0CA-D95A38CA7D62}" type="datetimeFigureOut">
               <a:rPr lang="zh-CN" altLang="en-US" smtClean="0"/>
-              <a:t>2018/2/28</a:t>
+              <a:t>2018/4/10</a:t>
             </a:fld>
             <a:endParaRPr lang="zh-CN" altLang="en-US"/>
           </a:p>
@@ -2137,7 +2222,7 @@
           <a:p>
             <a:fld id="{A5E21016-498F-4141-B0CA-D95A38CA7D62}" type="datetimeFigureOut">
               <a:rPr lang="zh-CN" altLang="en-US" smtClean="0"/>
-              <a:t>2018/2/28</a:t>
+              <a:t>2018/4/10</a:t>
             </a:fld>
             <a:endParaRPr lang="zh-CN" altLang="en-US"/>
           </a:p>
@@ -2699,7 +2784,7 @@
           <a:p>
             <a:fld id="{A5E21016-498F-4141-B0CA-D95A38CA7D62}" type="datetimeFigureOut">
               <a:rPr lang="zh-CN" altLang="en-US" smtClean="0"/>
-              <a:t>2018/2/28</a:t>
+              <a:t>2018/4/10</a:t>
             </a:fld>
             <a:endParaRPr lang="zh-CN" altLang="en-US"/>
           </a:p>
@@ -2996,7 +3081,7 @@
           <a:p>
             <a:fld id="{A5E21016-498F-4141-B0CA-D95A38CA7D62}" type="datetimeFigureOut">
               <a:rPr lang="zh-CN" altLang="en-US" smtClean="0"/>
-              <a:t>2018/2/28</a:t>
+              <a:t>2018/4/10</a:t>
             </a:fld>
             <a:endParaRPr lang="zh-CN" altLang="en-US"/>
           </a:p>
@@ -3435,7 +3520,7 @@
           <a:p>
             <a:fld id="{A5E21016-498F-4141-B0CA-D95A38CA7D62}" type="datetimeFigureOut">
               <a:rPr lang="zh-CN" altLang="en-US" smtClean="0"/>
-              <a:t>2018/2/28</a:t>
+              <a:t>2018/4/10</a:t>
             </a:fld>
             <a:endParaRPr lang="zh-CN" altLang="en-US"/>
           </a:p>
@@ -3608,7 +3693,7 @@
           <a:p>
             <a:fld id="{A5E21016-498F-4141-B0CA-D95A38CA7D62}" type="datetimeFigureOut">
               <a:rPr lang="zh-CN" altLang="en-US" smtClean="0"/>
-              <a:t>2018/2/28</a:t>
+              <a:t>2018/4/10</a:t>
             </a:fld>
             <a:endParaRPr lang="zh-CN" altLang="en-US"/>
           </a:p>
@@ -3745,7 +3830,7 @@
           <a:p>
             <a:fld id="{A5E21016-498F-4141-B0CA-D95A38CA7D62}" type="datetimeFigureOut">
               <a:rPr lang="zh-CN" altLang="en-US" smtClean="0"/>
-              <a:t>2018/2/28</a:t>
+              <a:t>2018/4/10</a:t>
             </a:fld>
             <a:endParaRPr lang="zh-CN" altLang="en-US"/>
           </a:p>
@@ -4083,7 +4168,7 @@
           <a:p>
             <a:fld id="{A5E21016-498F-4141-B0CA-D95A38CA7D62}" type="datetimeFigureOut">
               <a:rPr lang="zh-CN" altLang="en-US" smtClean="0"/>
-              <a:t>2018/2/28</a:t>
+              <a:t>2018/4/10</a:t>
             </a:fld>
             <a:endParaRPr lang="zh-CN" altLang="en-US"/>
           </a:p>
@@ -4398,7 +4483,7 @@
           <a:p>
             <a:fld id="{A5E21016-498F-4141-B0CA-D95A38CA7D62}" type="datetimeFigureOut">
               <a:rPr lang="zh-CN" altLang="en-US" smtClean="0"/>
-              <a:t>2018/2/28</a:t>
+              <a:t>2018/4/10</a:t>
             </a:fld>
             <a:endParaRPr lang="zh-CN" altLang="en-US"/>
           </a:p>
@@ -4997,7 +5082,7 @@
         <p:spPr>
           <a:xfrm>
             <a:off x="672483" y="1012055"/>
-            <a:ext cx="10847034" cy="4893647"/>
+            <a:ext cx="10847034" cy="4955203"/>
           </a:xfrm>
           <a:prstGeom prst="rect">
             <a:avLst/>
@@ -5073,22 +5158,22 @@
           <a:p>
             <a:pPr algn="ctr"/>
             <a:r>
-              <a:rPr lang="zh-CN" altLang="en-US" sz="2800"/>
+              <a:rPr lang="zh-CN" altLang="en-US" sz="3200"/>
               <a:t>第十讲 简单</a:t>
             </a:r>
             <a:r>
-              <a:rPr lang="zh-CN" altLang="en-US" sz="2800" dirty="0"/>
+              <a:rPr lang="zh-CN" altLang="en-US" sz="3200" dirty="0"/>
               <a:t>的</a:t>
             </a:r>
             <a:r>
-              <a:rPr lang="en-US" altLang="zh-CN" sz="2800" dirty="0"/>
+              <a:rPr lang="en-US" altLang="zh-CN" sz="3200" dirty="0"/>
               <a:t>Web</a:t>
             </a:r>
             <a:r>
-              <a:rPr lang="zh-CN" altLang="en-US" sz="2800" dirty="0"/>
+              <a:rPr lang="zh-CN" altLang="en-US" sz="3200" dirty="0"/>
               <a:t>聊天室程序</a:t>
             </a:r>
-            <a:endParaRPr lang="en-US" altLang="zh-CN" sz="2800" dirty="0"/>
+            <a:endParaRPr lang="en-US" altLang="zh-CN" sz="3200" dirty="0"/>
           </a:p>
           <a:p>
             <a:endParaRPr lang="en-US" altLang="zh-CN" dirty="0"/>
@@ -5207,18 +5292,18 @@
           <a:lstStyle/>
           <a:p>
             <a:r>
-              <a:rPr lang="zh-CN" altLang="en-US" sz="2000" dirty="0"/>
+              <a:rPr lang="zh-CN" altLang="en-US" sz="2400" dirty="0"/>
               <a:t>关闭连接要从</a:t>
             </a:r>
             <a:r>
-              <a:rPr lang="en-US" altLang="zh-CN" sz="2000" dirty="0"/>
+              <a:rPr lang="en-US" altLang="zh-CN" sz="2400" dirty="0"/>
               <a:t>Memcached</a:t>
             </a:r>
             <a:r>
-              <a:rPr lang="zh-CN" altLang="en-US" sz="2000" dirty="0"/>
+              <a:rPr lang="zh-CN" altLang="en-US" sz="2400" dirty="0"/>
               <a:t>去除缓存数据。</a:t>
             </a:r>
-            <a:endParaRPr lang="en-US" altLang="zh-CN" sz="2000" dirty="0"/>
+            <a:endParaRPr lang="en-US" altLang="zh-CN" sz="2400" dirty="0"/>
           </a:p>
           <a:p>
             <a:endParaRPr lang="en-US" altLang="zh-CN" sz="2000" dirty="0"/>
@@ -5367,18 +5452,18 @@
           <a:lstStyle/>
           <a:p>
             <a:r>
-              <a:rPr lang="zh-CN" altLang="en-US" sz="2000" dirty="0"/>
+              <a:rPr lang="zh-CN" altLang="en-US" sz="2400" dirty="0"/>
               <a:t>进程捕获到</a:t>
             </a:r>
             <a:r>
-              <a:rPr lang="en-US" altLang="zh-CN" sz="2000" dirty="0"/>
+              <a:rPr lang="en-US" altLang="zh-CN" sz="2400" dirty="0"/>
               <a:t>SIGTERM</a:t>
             </a:r>
             <a:r>
-              <a:rPr lang="zh-CN" altLang="en-US" sz="2000" dirty="0"/>
+              <a:rPr lang="zh-CN" altLang="en-US" sz="2400" dirty="0"/>
               <a:t>信号要做后续处理。</a:t>
             </a:r>
-            <a:endParaRPr lang="en-US" altLang="zh-CN" sz="2000" dirty="0"/>
+            <a:endParaRPr lang="en-US" altLang="zh-CN" sz="2400" dirty="0"/>
           </a:p>
           <a:p>
             <a:endParaRPr lang="zh-CN" altLang="en-US" sz="2000" dirty="0"/>
@@ -5425,6 +5510,240 @@
     <p:extLst>
       <p:ext uri="{BB962C8B-B14F-4D97-AF65-F5344CB8AC3E}">
         <p14:creationId xmlns:p14="http://schemas.microsoft.com/office/powerpoint/2010/main" val="1299681857"/>
+      </p:ext>
+    </p:extLst>
+  </p:cSld>
+  <p:clrMapOvr>
+    <a:masterClrMapping/>
+  </p:clrMapOvr>
+</p:sld>
+</file>
+
+<file path=ppt/slides/slide12.xml><?xml version="1.0" encoding="utf-8"?>
+<p:sld xmlns:a="http://schemas.openxmlformats.org/drawingml/2006/main" xmlns:r="http://schemas.openxmlformats.org/officeDocument/2006/relationships" xmlns:p="http://schemas.openxmlformats.org/presentationml/2006/main">
+  <p:cSld>
+    <p:spTree>
+      <p:nvGrpSpPr>
+        <p:cNvPr id="1" name=""/>
+        <p:cNvGrpSpPr/>
+        <p:nvPr/>
+      </p:nvGrpSpPr>
+      <p:grpSpPr>
+        <a:xfrm>
+          <a:off x="0" y="0"/>
+          <a:ext cx="0" cy="0"/>
+          <a:chOff x="0" y="0"/>
+          <a:chExt cx="0" cy="0"/>
+        </a:xfrm>
+      </p:grpSpPr>
+      <p:sp>
+        <p:nvSpPr>
+          <p:cNvPr id="4" name="标题 3">
+            <a:extLst>
+              <a:ext uri="{FF2B5EF4-FFF2-40B4-BE49-F238E27FC236}">
+                <a16:creationId xmlns:a16="http://schemas.microsoft.com/office/drawing/2014/main" id="{2729939D-814A-4BD2-9922-3F8EA865938B}"/>
+              </a:ext>
+            </a:extLst>
+          </p:cNvPr>
+          <p:cNvSpPr>
+            <a:spLocks noGrp="1"/>
+          </p:cNvSpPr>
+          <p:nvPr>
+            <p:ph type="title"/>
+          </p:nvPr>
+        </p:nvSpPr>
+        <p:spPr>
+          <a:xfrm>
+            <a:off x="838200" y="683581"/>
+            <a:ext cx="10515600" cy="736846"/>
+          </a:xfrm>
+        </p:spPr>
+        <p:txBody>
+          <a:bodyPr/>
+          <a:lstStyle/>
+          <a:p>
+            <a:r>
+              <a:rPr lang="zh-CN" altLang="en-US"/>
+              <a:t>前端页面</a:t>
+            </a:r>
+            <a:r>
+              <a:rPr lang="en-US" altLang="zh-CN"/>
+              <a:t>JS</a:t>
+            </a:r>
+            <a:r>
+              <a:rPr lang="zh-CN" altLang="en-US"/>
+              <a:t>如何进行</a:t>
+            </a:r>
+            <a:r>
+              <a:rPr lang="en-US" altLang="zh-CN"/>
+              <a:t>Websocket</a:t>
+            </a:r>
+            <a:r>
+              <a:rPr lang="zh-CN" altLang="en-US"/>
+              <a:t>连接</a:t>
+            </a:r>
+            <a:endParaRPr lang="zh-CN" altLang="en-US" dirty="0"/>
+          </a:p>
+        </p:txBody>
+      </p:sp>
+      <p:sp>
+        <p:nvSpPr>
+          <p:cNvPr id="3" name="内容占位符 2">
+            <a:extLst>
+              <a:ext uri="{FF2B5EF4-FFF2-40B4-BE49-F238E27FC236}">
+                <a16:creationId xmlns:a16="http://schemas.microsoft.com/office/drawing/2014/main" id="{0AD66112-A95E-43A5-BEC1-800B737F8E8C}"/>
+              </a:ext>
+            </a:extLst>
+          </p:cNvPr>
+          <p:cNvSpPr>
+            <a:spLocks noGrp="1"/>
+          </p:cNvSpPr>
+          <p:nvPr>
+            <p:ph idx="1"/>
+          </p:nvPr>
+        </p:nvSpPr>
+        <p:spPr/>
+        <p:txBody>
+          <a:bodyPr>
+            <a:normAutofit/>
+          </a:bodyPr>
+          <a:lstStyle/>
+          <a:p>
+            <a:pPr marL="0" indent="0">
+              <a:buNone/>
+            </a:pPr>
+            <a:r>
+              <a:rPr lang="en-US" altLang="zh-CN" sz="2400"/>
+              <a:t>      var ws = new WebSocket("ws://127.0.0.1:9876");</a:t>
+            </a:r>
+          </a:p>
+          <a:p>
+            <a:pPr marL="0" indent="0">
+              <a:buNone/>
+            </a:pPr>
+            <a:r>
+              <a:rPr lang="en-US" altLang="zh-CN" sz="2400"/>
+              <a:t>      ws.onopen = function() {</a:t>
+            </a:r>
+          </a:p>
+          <a:p>
+            <a:pPr marL="0" indent="0">
+              <a:buNone/>
+            </a:pPr>
+            <a:r>
+              <a:rPr lang="en-US" altLang="zh-CN" sz="2400"/>
+              <a:t>            //</a:t>
+            </a:r>
+            <a:r>
+              <a:rPr lang="zh-CN" altLang="en-US" sz="2400"/>
+              <a:t>连接建立执行的函数，通过</a:t>
+            </a:r>
+            <a:r>
+              <a:rPr lang="en-US" altLang="zh-CN" sz="2400"/>
+              <a:t>onOpen</a:t>
+            </a:r>
+            <a:r>
+              <a:rPr lang="zh-CN" altLang="en-US" sz="2400"/>
+              <a:t>事件触发</a:t>
+            </a:r>
+            <a:endParaRPr lang="en-US" altLang="zh-CN" sz="2400"/>
+          </a:p>
+          <a:p>
+            <a:pPr marL="0" indent="0">
+              <a:buNone/>
+            </a:pPr>
+            <a:r>
+              <a:rPr lang="en-US" altLang="zh-CN" sz="2400"/>
+              <a:t>      };</a:t>
+            </a:r>
+          </a:p>
+          <a:p>
+            <a:pPr marL="0" indent="0">
+              <a:buNone/>
+            </a:pPr>
+            <a:r>
+              <a:rPr lang="en-US" altLang="zh-CN" sz="2400"/>
+              <a:t>      ws.onclose = function() {</a:t>
+            </a:r>
+          </a:p>
+          <a:p>
+            <a:pPr marL="0" indent="0">
+              <a:buNone/>
+            </a:pPr>
+            <a:r>
+              <a:rPr lang="en-US" altLang="zh-CN" sz="2400"/>
+              <a:t>            //</a:t>
+            </a:r>
+            <a:r>
+              <a:rPr lang="zh-CN" altLang="en-US" sz="2400"/>
+              <a:t>连接关闭执行的函数，</a:t>
+            </a:r>
+            <a:r>
+              <a:rPr lang="en-US" altLang="zh-CN" sz="2400"/>
+              <a:t>onClose</a:t>
+            </a:r>
+            <a:r>
+              <a:rPr lang="zh-CN" altLang="en-US" sz="2400"/>
+              <a:t>事件触发</a:t>
+            </a:r>
+            <a:endParaRPr lang="en-US" altLang="zh-CN" sz="2400"/>
+          </a:p>
+          <a:p>
+            <a:pPr marL="0" indent="0">
+              <a:buNone/>
+            </a:pPr>
+            <a:r>
+              <a:rPr lang="en-US" altLang="zh-CN" sz="2400"/>
+              <a:t>      }</a:t>
+            </a:r>
+          </a:p>
+          <a:p>
+            <a:pPr marL="0" indent="0">
+              <a:buNone/>
+            </a:pPr>
+            <a:r>
+              <a:rPr lang="en-US" altLang="zh-CN" sz="2400"/>
+              <a:t>      ws.onmessage = function (evt) {</a:t>
+            </a:r>
+          </a:p>
+          <a:p>
+            <a:pPr marL="0" indent="0">
+              <a:buNone/>
+            </a:pPr>
+            <a:r>
+              <a:rPr lang="en-US" altLang="zh-CN" sz="2400"/>
+              <a:t>            //onMessage</a:t>
+            </a:r>
+            <a:r>
+              <a:rPr lang="zh-CN" altLang="en-US" sz="2400"/>
+              <a:t>事件，通过</a:t>
+            </a:r>
+            <a:r>
+              <a:rPr lang="en-US" altLang="zh-CN" sz="2400"/>
+              <a:t>evt.data</a:t>
+            </a:r>
+            <a:r>
+              <a:rPr lang="zh-CN" altLang="en-US" sz="2400"/>
+              <a:t>获取收到的数据。</a:t>
+            </a:r>
+            <a:endParaRPr lang="en-US" altLang="zh-CN" sz="2400"/>
+          </a:p>
+          <a:p>
+            <a:pPr marL="0" indent="0">
+              <a:buNone/>
+            </a:pPr>
+            <a:r>
+              <a:rPr lang="en-US" altLang="zh-CN" sz="2400"/>
+              <a:t>      };</a:t>
+            </a:r>
+            <a:endParaRPr lang="en-US" altLang="zh-CN" sz="2400" dirty="0"/>
+          </a:p>
+        </p:txBody>
+      </p:sp>
+    </p:spTree>
+    <p:extLst>
+      <p:ext uri="{BB962C8B-B14F-4D97-AF65-F5344CB8AC3E}">
+        <p14:creationId xmlns:p14="http://schemas.microsoft.com/office/powerpoint/2010/main" val="4209959292"/>
       </p:ext>
     </p:extLst>
   </p:cSld>
@@ -5513,74 +5832,74 @@
           <a:lstStyle/>
           <a:p>
             <a:r>
-              <a:rPr lang="zh-CN" altLang="en-US" sz="2000" dirty="0"/>
+              <a:rPr lang="zh-CN" altLang="en-US" sz="2400" dirty="0"/>
               <a:t>类型：很简单的聊天室程序。先不做验证功能，仅仅基于连接。</a:t>
             </a:r>
-            <a:endParaRPr lang="en-US" altLang="zh-CN" sz="2000" dirty="0"/>
-          </a:p>
-          <a:p>
-            <a:endParaRPr lang="en-US" altLang="zh-CN" sz="2000" dirty="0"/>
-          </a:p>
-          <a:p>
-            <a:r>
-              <a:rPr lang="zh-CN" altLang="en-US" sz="2000" dirty="0"/>
+            <a:endParaRPr lang="en-US" altLang="zh-CN" sz="2400" dirty="0"/>
+          </a:p>
+          <a:p>
+            <a:endParaRPr lang="en-US" altLang="zh-CN" sz="2400" dirty="0"/>
+          </a:p>
+          <a:p>
+            <a:r>
+              <a:rPr lang="zh-CN" altLang="en-US" sz="2400" dirty="0"/>
               <a:t>使用</a:t>
             </a:r>
             <a:r>
-              <a:rPr lang="en-US" altLang="zh-CN" sz="2000" dirty="0" err="1"/>
+              <a:rPr lang="en-US" altLang="zh-CN" sz="2400" dirty="0" err="1"/>
               <a:t>Swoole</a:t>
             </a:r>
             <a:r>
-              <a:rPr lang="en-US" altLang="zh-CN" sz="2000" dirty="0"/>
+              <a:rPr lang="en-US" altLang="zh-CN" sz="2400" dirty="0"/>
               <a:t> + </a:t>
             </a:r>
             <a:r>
-              <a:rPr lang="en-US" altLang="zh-CN" sz="2000" dirty="0" err="1"/>
+              <a:rPr lang="en-US" altLang="zh-CN" sz="2400" dirty="0" err="1"/>
               <a:t>Websocket</a:t>
             </a:r>
             <a:r>
-              <a:rPr lang="zh-CN" altLang="en-US" sz="2000" dirty="0"/>
+              <a:rPr lang="zh-CN" altLang="en-US" sz="2400" dirty="0"/>
               <a:t>协议可以实现服务器实时推送。</a:t>
             </a:r>
-            <a:endParaRPr lang="en-US" altLang="zh-CN" sz="2000" dirty="0"/>
-          </a:p>
-          <a:p>
-            <a:endParaRPr lang="en-US" altLang="zh-CN" sz="2000" dirty="0"/>
-          </a:p>
-          <a:p>
-            <a:r>
-              <a:rPr lang="zh-CN" altLang="en-US" sz="2000" dirty="0"/>
+            <a:endParaRPr lang="en-US" altLang="zh-CN" sz="2400" dirty="0"/>
+          </a:p>
+          <a:p>
+            <a:endParaRPr lang="en-US" altLang="zh-CN" sz="2400" dirty="0"/>
+          </a:p>
+          <a:p>
+            <a:r>
+              <a:rPr lang="zh-CN" altLang="en-US" sz="2400" dirty="0"/>
               <a:t>使用</a:t>
             </a:r>
             <a:r>
-              <a:rPr lang="en-US" altLang="zh-CN" sz="2000" dirty="0"/>
+              <a:rPr lang="en-US" altLang="zh-CN" sz="2400" dirty="0"/>
               <a:t>Memcached</a:t>
             </a:r>
             <a:r>
-              <a:rPr lang="zh-CN" altLang="en-US" sz="2000" dirty="0"/>
+              <a:rPr lang="zh-CN" altLang="en-US" sz="2400" dirty="0"/>
               <a:t>缓存连接信息。</a:t>
             </a:r>
-            <a:endParaRPr lang="en-US" altLang="zh-CN" sz="2000" dirty="0"/>
-          </a:p>
-          <a:p>
-            <a:endParaRPr lang="en-US" altLang="zh-CN" sz="2000" dirty="0"/>
-          </a:p>
-          <a:p>
-            <a:r>
-              <a:rPr lang="zh-CN" altLang="en-US" sz="2000" dirty="0"/>
+            <a:endParaRPr lang="en-US" altLang="zh-CN" sz="2400" dirty="0"/>
+          </a:p>
+          <a:p>
+            <a:endParaRPr lang="en-US" altLang="zh-CN" sz="2400" dirty="0"/>
+          </a:p>
+          <a:p>
+            <a:r>
+              <a:rPr lang="zh-CN" altLang="en-US" sz="2400" dirty="0"/>
               <a:t>使用一个简单的通信协议。</a:t>
             </a:r>
-            <a:endParaRPr lang="en-US" altLang="zh-CN" sz="2000" dirty="0"/>
-          </a:p>
-          <a:p>
-            <a:endParaRPr lang="en-US" altLang="zh-CN" sz="2000" dirty="0"/>
-          </a:p>
-          <a:p>
-            <a:r>
-              <a:rPr lang="zh-CN" altLang="en-US" sz="2000" dirty="0"/>
+            <a:endParaRPr lang="en-US" altLang="zh-CN" sz="2400" dirty="0"/>
+          </a:p>
+          <a:p>
+            <a:endParaRPr lang="en-US" altLang="zh-CN" sz="2400" dirty="0"/>
+          </a:p>
+          <a:p>
+            <a:r>
+              <a:rPr lang="zh-CN" altLang="en-US" sz="2400" dirty="0"/>
               <a:t>服务器接收到数据，直接转发给其他成员。</a:t>
             </a:r>
-            <a:endParaRPr lang="en-US" altLang="zh-CN" sz="2000" dirty="0"/>
+            <a:endParaRPr lang="en-US" altLang="zh-CN" sz="2400" dirty="0"/>
           </a:p>
           <a:p>
             <a:endParaRPr lang="en-US" altLang="zh-CN" sz="2400" dirty="0"/>
@@ -5685,58 +6004,58 @@
           <a:lstStyle/>
           <a:p>
             <a:r>
-              <a:rPr lang="zh-CN" altLang="en-US" sz="2000" dirty="0"/>
+              <a:rPr lang="zh-CN" altLang="en-US" sz="2400" dirty="0"/>
               <a:t>通信数据使用</a:t>
             </a:r>
             <a:r>
-              <a:rPr lang="en-US" altLang="zh-CN" sz="2000" dirty="0"/>
+              <a:rPr lang="en-US" altLang="zh-CN" sz="2400" dirty="0"/>
               <a:t>JSON</a:t>
             </a:r>
             <a:r>
-              <a:rPr lang="zh-CN" altLang="en-US" sz="2000" dirty="0"/>
+              <a:rPr lang="zh-CN" altLang="en-US" sz="2400" dirty="0"/>
               <a:t>格式。前端</a:t>
             </a:r>
             <a:r>
-              <a:rPr lang="en-US" altLang="zh-CN" sz="2000" dirty="0"/>
+              <a:rPr lang="en-US" altLang="zh-CN" sz="2400" dirty="0"/>
               <a:t>JS</a:t>
             </a:r>
             <a:r>
-              <a:rPr lang="zh-CN" altLang="en-US" sz="2000" dirty="0"/>
+              <a:rPr lang="zh-CN" altLang="en-US" sz="2400" dirty="0"/>
               <a:t>可以直接处理</a:t>
             </a:r>
             <a:r>
-              <a:rPr lang="en-US" altLang="zh-CN" sz="2000" dirty="0"/>
+              <a:rPr lang="en-US" altLang="zh-CN" sz="2400" dirty="0"/>
               <a:t>JSON</a:t>
             </a:r>
             <a:r>
-              <a:rPr lang="zh-CN" altLang="en-US" sz="2000" dirty="0"/>
+              <a:rPr lang="zh-CN" altLang="en-US" sz="2400" dirty="0"/>
               <a:t>数据，</a:t>
             </a:r>
             <a:r>
-              <a:rPr lang="en-US" altLang="zh-CN" sz="2000" dirty="0"/>
+              <a:rPr lang="en-US" altLang="zh-CN" sz="2400" dirty="0"/>
               <a:t>PHP</a:t>
             </a:r>
             <a:r>
-              <a:rPr lang="zh-CN" altLang="en-US" sz="2000" dirty="0"/>
+              <a:rPr lang="zh-CN" altLang="en-US" sz="2400" dirty="0"/>
               <a:t>使用</a:t>
             </a:r>
             <a:r>
-              <a:rPr lang="en-US" altLang="zh-CN" sz="2000" dirty="0" err="1"/>
+              <a:rPr lang="en-US" altLang="zh-CN" sz="2400" dirty="0" err="1"/>
               <a:t>json</a:t>
             </a:r>
             <a:r>
-              <a:rPr lang="zh-CN" altLang="en-US" sz="2000" dirty="0"/>
+              <a:rPr lang="zh-CN" altLang="en-US" sz="2400" dirty="0"/>
               <a:t>扩展也可以很方便的处理</a:t>
             </a:r>
             <a:r>
-              <a:rPr lang="en-US" altLang="zh-CN" sz="2000" dirty="0"/>
+              <a:rPr lang="en-US" altLang="zh-CN" sz="2400" dirty="0"/>
               <a:t>JSON</a:t>
             </a:r>
             <a:r>
-              <a:rPr lang="zh-CN" altLang="en-US" sz="2000" dirty="0"/>
+              <a:rPr lang="zh-CN" altLang="en-US" sz="2400" dirty="0"/>
               <a:t>数据。</a:t>
             </a:r>
-            <a:endParaRPr lang="en-US" altLang="zh-CN" sz="2000" dirty="0"/>
+            <a:endParaRPr lang="en-US" altLang="zh-CN" sz="2400" dirty="0"/>
           </a:p>
           <a:p>
             <a:endParaRPr lang="en-US" altLang="zh-CN" sz="2000" dirty="0"/>
@@ -5761,7 +6080,7 @@
           <p:nvPr>
             <p:extLst>
               <p:ext uri="{D42A27DB-BD31-4B8C-83A1-F6EECF244321}">
-                <p14:modId xmlns:p14="http://schemas.microsoft.com/office/powerpoint/2010/main" val="956212349"/>
+                <p14:modId xmlns:p14="http://schemas.microsoft.com/office/powerpoint/2010/main" val="2181339056"/>
               </p:ext>
             </p:extLst>
           </p:nvPr>
@@ -5799,136 +6118,138 @@
                     <a:lstStyle/>
                     <a:p>
                       <a:r>
-                        <a:rPr lang="zh-CN" altLang="en-US" dirty="0"/>
+                        <a:rPr lang="zh-CN" altLang="en-US" sz="2000" dirty="0"/>
                         <a:t>客户端发送：</a:t>
                       </a:r>
-                      <a:endParaRPr lang="en-US" altLang="zh-CN" dirty="0"/>
+                      <a:endParaRPr lang="en-US" altLang="zh-CN" sz="2000" dirty="0"/>
                     </a:p>
                     <a:p>
                       <a:pPr lvl="1"/>
                       <a:r>
-                        <a:rPr lang="en-US" altLang="zh-CN" dirty="0"/>
+                        <a:rPr lang="en-US" altLang="zh-CN" sz="2000" dirty="0"/>
                         <a:t>{</a:t>
                       </a:r>
                     </a:p>
                     <a:p>
                       <a:pPr lvl="1"/>
                       <a:r>
-                        <a:rPr lang="en-US" altLang="zh-CN" dirty="0"/>
+                        <a:rPr lang="en-US" altLang="zh-CN" sz="2000" dirty="0"/>
                         <a:t>  </a:t>
                       </a:r>
                       <a:r>
-                        <a:rPr lang="zh-CN" altLang="en-US" dirty="0"/>
+                        <a:rPr lang="zh-CN" altLang="en-US" sz="2000" dirty="0"/>
                         <a:t>“</a:t>
                       </a:r>
                       <a:r>
-                        <a:rPr lang="en-US" altLang="zh-CN" dirty="0" err="1"/>
+                        <a:rPr lang="en-US" altLang="zh-CN" sz="2000" dirty="0" err="1"/>
                         <a:t>msg</a:t>
                       </a:r>
                       <a:r>
-                        <a:rPr lang="zh-CN" altLang="en-US" dirty="0"/>
+                        <a:rPr lang="zh-CN" altLang="en-US" sz="2000" dirty="0"/>
                         <a:t>”</a:t>
                       </a:r>
                       <a:r>
-                        <a:rPr lang="en-US" altLang="zh-CN" dirty="0"/>
-                        <a:t>:”I am </a:t>
+                        <a:rPr lang="en-US" altLang="zh-CN" sz="2000" dirty="0"/>
+                        <a:t>:”I </a:t>
                       </a:r>
                       <a:r>
-                        <a:rPr lang="en-US" altLang="zh-CN" dirty="0" err="1"/>
-                        <a:t>phper</a:t>
+                        <a:rPr lang="en-US" altLang="zh-CN" sz="2000"/>
+                        <a:t>am a</a:t>
                       </a:r>
                       <a:r>
-                        <a:rPr lang="en-US" altLang="zh-CN" dirty="0"/>
-                        <a:t>”</a:t>
+                        <a:rPr lang="zh-CN" altLang="en-US" sz="2000"/>
+                        <a:t> </a:t>
                       </a:r>
+                      <a:r>
+                        <a:rPr lang="en-US" altLang="zh-CN" sz="2000"/>
+                        <a:t>php programmer”</a:t>
+                      </a:r>
+                      <a:endParaRPr lang="en-US" altLang="zh-CN" sz="2000" dirty="0"/>
                     </a:p>
                     <a:p>
                       <a:pPr lvl="1"/>
                       <a:r>
-                        <a:rPr lang="en-US" altLang="zh-CN" dirty="0"/>
+                        <a:rPr lang="en-US" altLang="zh-CN" sz="2000" dirty="0"/>
                         <a:t>}</a:t>
                       </a:r>
                     </a:p>
                     <a:p>
-                      <a:endParaRPr lang="en-US" altLang="zh-CN" dirty="0"/>
+                      <a:endParaRPr lang="en-US" altLang="zh-CN" sz="2000" dirty="0"/>
                     </a:p>
                     <a:p>
                       <a:r>
-                        <a:rPr lang="zh-CN" altLang="en-US" dirty="0"/>
+                        <a:rPr lang="zh-CN" altLang="en-US" sz="2000" dirty="0"/>
                         <a:t>客户端接收：</a:t>
                       </a:r>
-                      <a:endParaRPr lang="en-US" altLang="zh-CN" dirty="0"/>
+                      <a:endParaRPr lang="en-US" altLang="zh-CN" sz="2000" dirty="0"/>
                     </a:p>
                     <a:p>
                       <a:pPr lvl="1"/>
                       <a:r>
-                        <a:rPr lang="en-US" altLang="zh-CN" dirty="0"/>
+                        <a:rPr lang="en-US" altLang="zh-CN" sz="2000" dirty="0"/>
                         <a:t>{</a:t>
                       </a:r>
                     </a:p>
                     <a:p>
                       <a:pPr lvl="1"/>
                       <a:r>
-                        <a:rPr lang="en-US" altLang="zh-CN" dirty="0"/>
+                        <a:rPr lang="en-US" altLang="zh-CN" sz="2000" dirty="0"/>
                         <a:t>  </a:t>
                       </a:r>
                       <a:r>
-                        <a:rPr lang="zh-CN" altLang="en-US" dirty="0"/>
+                        <a:rPr lang="zh-CN" altLang="en-US" sz="2000" dirty="0"/>
                         <a:t>“</a:t>
                       </a:r>
                       <a:r>
-                        <a:rPr lang="en-US" altLang="zh-CN" dirty="0" err="1"/>
+                        <a:rPr lang="en-US" altLang="zh-CN" sz="2000" dirty="0" err="1"/>
                         <a:t>from_id</a:t>
                       </a:r>
                       <a:r>
-                        <a:rPr lang="zh-CN" altLang="en-US" dirty="0"/>
+                        <a:rPr lang="zh-CN" altLang="en-US" sz="2000" dirty="0"/>
                         <a:t>” </a:t>
                       </a:r>
                       <a:r>
-                        <a:rPr lang="en-US" altLang="zh-CN" dirty="0"/>
+                        <a:rPr lang="en-US" altLang="zh-CN" sz="2000" dirty="0"/>
                         <a:t>: “12”,</a:t>
                       </a:r>
                     </a:p>
                     <a:p>
                       <a:pPr lvl="1"/>
                       <a:r>
-                        <a:rPr lang="en-US" altLang="zh-CN" dirty="0"/>
+                        <a:rPr lang="en-US" altLang="zh-CN" sz="2000" dirty="0"/>
                         <a:t>  “</a:t>
                       </a:r>
                       <a:r>
-                        <a:rPr lang="en-US" altLang="zh-CN" dirty="0" err="1"/>
+                        <a:rPr lang="en-US" altLang="zh-CN" sz="2000" dirty="0" err="1"/>
                         <a:t>msg</a:t>
                       </a:r>
                       <a:r>
-                        <a:rPr lang="en-US" altLang="zh-CN" dirty="0"/>
-                        <a:t>”:”I am </a:t>
+                        <a:rPr lang="en-US" altLang="zh-CN" sz="2000" dirty="0"/>
+                        <a:t>”:”I </a:t>
                       </a:r>
                       <a:r>
-                        <a:rPr lang="en-US" altLang="zh-CN" dirty="0" err="1"/>
-                        <a:t>phper</a:t>
+                        <a:rPr lang="en-US" altLang="zh-CN" sz="2000"/>
+                        <a:t>am a php programmer”,</a:t>
                       </a:r>
-                      <a:r>
-                        <a:rPr lang="en-US" altLang="zh-CN" dirty="0"/>
-                        <a:t>”,</a:t>
-                      </a:r>
+                      <a:endParaRPr lang="en-US" altLang="zh-CN" sz="2000" dirty="0"/>
                     </a:p>
                     <a:p>
                       <a:pPr lvl="1"/>
                       <a:r>
-                        <a:rPr lang="en-US" altLang="zh-CN" dirty="0"/>
+                        <a:rPr lang="en-US" altLang="zh-CN" sz="2000" dirty="0"/>
                         <a:t>  “msg_time”:”1456690889”</a:t>
                       </a:r>
                     </a:p>
                     <a:p>
                       <a:pPr lvl="1"/>
                       <a:r>
-                        <a:rPr lang="en-US" altLang="zh-CN" dirty="0"/>
+                        <a:rPr lang="en-US" altLang="zh-CN" sz="2000" dirty="0"/>
                         <a:t>}</a:t>
                       </a:r>
-                      <a:endParaRPr lang="zh-CN" altLang="en-US" dirty="0"/>
+                      <a:endParaRPr lang="zh-CN" altLang="en-US" sz="2000" dirty="0"/>
                     </a:p>
                     <a:p>
-                      <a:endParaRPr lang="zh-CN" altLang="en-US" dirty="0"/>
+                      <a:endParaRPr lang="zh-CN" altLang="en-US" sz="2000" dirty="0"/>
                     </a:p>
                   </a:txBody>
                   <a:tcPr/>
@@ -5939,65 +6260,65 @@
                     <a:lstStyle/>
                     <a:p>
                       <a:r>
-                        <a:rPr lang="zh-CN" altLang="en-US" dirty="0"/>
+                        <a:rPr lang="zh-CN" altLang="en-US" sz="2000" dirty="0"/>
                         <a:t>服务器推送：</a:t>
                       </a:r>
-                      <a:endParaRPr lang="en-US" altLang="zh-CN" dirty="0"/>
+                      <a:endParaRPr lang="en-US" altLang="zh-CN" sz="2000" dirty="0"/>
                     </a:p>
                     <a:p>
                       <a:pPr lvl="1"/>
                       <a:r>
-                        <a:rPr lang="en-US" altLang="zh-CN" dirty="0"/>
+                        <a:rPr lang="en-US" altLang="zh-CN" sz="2000" dirty="0"/>
                         <a:t>{</a:t>
                       </a:r>
                     </a:p>
                     <a:p>
                       <a:pPr lvl="1"/>
                       <a:r>
-                        <a:rPr lang="en-US" altLang="zh-CN" dirty="0"/>
+                        <a:rPr lang="en-US" altLang="zh-CN" sz="2000" dirty="0"/>
                         <a:t>  </a:t>
                       </a:r>
                       <a:r>
-                        <a:rPr lang="zh-CN" altLang="en-US" dirty="0"/>
+                        <a:rPr lang="zh-CN" altLang="en-US" sz="2000" dirty="0"/>
                         <a:t>“</a:t>
                       </a:r>
                       <a:r>
-                        <a:rPr lang="en-US" altLang="zh-CN" dirty="0" err="1"/>
+                        <a:rPr lang="en-US" altLang="zh-CN" sz="2000" dirty="0" err="1"/>
                         <a:t>msg</a:t>
                       </a:r>
                       <a:r>
-                        <a:rPr lang="zh-CN" altLang="en-US" dirty="0"/>
+                        <a:rPr lang="zh-CN" altLang="en-US" sz="2000" dirty="0"/>
                         <a:t>”</a:t>
                       </a:r>
                       <a:r>
-                        <a:rPr lang="en-US" altLang="zh-CN" dirty="0"/>
+                        <a:rPr lang="en-US" altLang="zh-CN" sz="2000" dirty="0"/>
                         <a:t>:”you are login as 23 id”,</a:t>
                       </a:r>
                     </a:p>
                     <a:p>
                       <a:pPr lvl="1"/>
                       <a:r>
-                        <a:rPr lang="en-US" altLang="zh-CN" dirty="0"/>
+                        <a:rPr lang="en-US" altLang="zh-CN" sz="2000" dirty="0"/>
                         <a:t>  “</a:t>
                       </a:r>
                       <a:r>
-                        <a:rPr lang="en-US" altLang="zh-CN" dirty="0" err="1"/>
+                        <a:rPr lang="en-US" altLang="zh-CN" sz="2000" dirty="0" err="1"/>
                         <a:t>msg_source”:”server</a:t>
                       </a:r>
                       <a:r>
-                        <a:rPr lang="en-US" altLang="zh-CN" dirty="0"/>
+                        <a:rPr lang="en-US" altLang="zh-CN" sz="2000" dirty="0"/>
                         <a:t>”</a:t>
                       </a:r>
                     </a:p>
                     <a:p>
                       <a:pPr lvl="1"/>
                       <a:r>
-                        <a:rPr lang="en-US" altLang="zh-CN" dirty="0"/>
+                        <a:rPr lang="en-US" altLang="zh-CN" sz="2000" dirty="0"/>
                         <a:t>}</a:t>
                       </a:r>
                     </a:p>
                     <a:p>
-                      <a:endParaRPr lang="zh-CN" altLang="en-US" dirty="0"/>
+                      <a:endParaRPr lang="zh-CN" altLang="en-US" sz="2000" dirty="0"/>
                     </a:p>
                   </a:txBody>
                   <a:tcPr/>
@@ -6114,58 +6435,44 @@
           <a:lstStyle/>
           <a:p>
             <a:r>
-              <a:rPr lang="en-US" altLang="zh-CN" sz="2000" dirty="0" err="1"/>
+              <a:rPr lang="en-US" altLang="zh-CN" sz="2400" dirty="0" err="1"/>
               <a:t>Swoole</a:t>
             </a:r>
             <a:r>
-              <a:rPr lang="zh-CN" altLang="en-US" sz="2000" dirty="0"/>
+              <a:rPr lang="zh-CN" altLang="en-US" sz="2400" dirty="0"/>
               <a:t>使用的是多进程。仅仅通过一个变量保存连接数据是不能保证同步的。</a:t>
             </a:r>
-            <a:endParaRPr lang="en-US" altLang="zh-CN" sz="2000" dirty="0"/>
+            <a:endParaRPr lang="en-US" altLang="zh-CN" sz="2400" dirty="0"/>
           </a:p>
           <a:p>
             <a:pPr marL="0" indent="0">
               <a:buNone/>
             </a:pPr>
-            <a:endParaRPr lang="en-US" altLang="zh-CN" sz="2000" dirty="0"/>
-          </a:p>
-          <a:p>
-            <a:r>
-              <a:rPr lang="zh-CN" altLang="en-US" sz="2000" dirty="0"/>
+            <a:endParaRPr lang="en-US" altLang="zh-CN" sz="2400" dirty="0"/>
+          </a:p>
+          <a:p>
+            <a:r>
+              <a:rPr lang="zh-CN" altLang="en-US" sz="2400" dirty="0"/>
               <a:t>管理进程会把请求按照指定规则分配给每个进程，而这样每个进程获得的连接信息是有差异的。</a:t>
             </a:r>
-            <a:endParaRPr lang="en-US" altLang="zh-CN" sz="2000" dirty="0"/>
-          </a:p>
-          <a:p>
-            <a:endParaRPr lang="en-US" altLang="zh-CN" sz="2000" dirty="0"/>
-          </a:p>
-          <a:p>
-            <a:r>
-              <a:rPr lang="zh-CN" altLang="en-US" sz="2000" dirty="0"/>
-              <a:t>避免多进程的数据不能共享问题，使用一个公共的数据缓存。</a:t>
-            </a:r>
-            <a:endParaRPr lang="en-US" altLang="zh-CN" sz="2000" dirty="0"/>
-          </a:p>
-          <a:p>
-            <a:endParaRPr lang="en-US" altLang="zh-CN" sz="2000" dirty="0"/>
-          </a:p>
-          <a:p>
-            <a:endParaRPr lang="en-US" altLang="zh-CN" sz="2000" dirty="0"/>
-          </a:p>
-          <a:p>
-            <a:endParaRPr lang="en-US" altLang="zh-CN" sz="2000" dirty="0"/>
-          </a:p>
-          <a:p>
-            <a:endParaRPr lang="en-US" altLang="zh-CN" sz="2000" dirty="0"/>
-          </a:p>
-          <a:p>
-            <a:pPr marL="0" indent="0">
-              <a:buNone/>
-            </a:pPr>
-            <a:endParaRPr lang="en-US" altLang="zh-CN" sz="2000" dirty="0"/>
-          </a:p>
-          <a:p>
-            <a:endParaRPr lang="en-US" altLang="zh-CN" sz="2000" dirty="0"/>
+            <a:endParaRPr lang="en-US" altLang="zh-CN" sz="2400" dirty="0"/>
+          </a:p>
+          <a:p>
+            <a:endParaRPr lang="en-US" altLang="zh-CN" sz="2400" dirty="0"/>
+          </a:p>
+          <a:p>
+            <a:r>
+              <a:rPr lang="zh-CN" altLang="en-US" sz="2400" dirty="0"/>
+              <a:t>避免多进程的数据不能共享问题，使用一个公共的数据</a:t>
+            </a:r>
+            <a:r>
+              <a:rPr lang="zh-CN" altLang="en-US" sz="2400"/>
+              <a:t>缓存。</a:t>
+            </a:r>
+            <a:endParaRPr lang="en-US" altLang="zh-CN" sz="2400" dirty="0"/>
+          </a:p>
+          <a:p>
+            <a:endParaRPr lang="en-US" altLang="zh-CN" sz="2400" dirty="0"/>
           </a:p>
         </p:txBody>
       </p:sp>
@@ -6263,52 +6570,49 @@
           <a:lstStyle/>
           <a:p>
             <a:r>
-              <a:rPr lang="zh-CN" altLang="en-US" sz="2000" dirty="0"/>
+              <a:rPr lang="zh-CN" altLang="en-US" sz="2400" dirty="0"/>
               <a:t>因为服务要在后台运行，所以要创建守护进程。</a:t>
             </a:r>
-            <a:endParaRPr lang="en-US" altLang="zh-CN" sz="2000" dirty="0"/>
-          </a:p>
-          <a:p>
-            <a:endParaRPr lang="en-US" altLang="zh-CN" sz="2000" dirty="0"/>
-          </a:p>
-          <a:p>
-            <a:r>
-              <a:rPr lang="zh-CN" altLang="en-US" sz="2000" dirty="0"/>
+            <a:endParaRPr lang="en-US" altLang="zh-CN" sz="2400" dirty="0"/>
+          </a:p>
+          <a:p>
+            <a:endParaRPr lang="en-US" altLang="zh-CN" sz="2400" dirty="0"/>
+          </a:p>
+          <a:p>
+            <a:r>
+              <a:rPr lang="zh-CN" altLang="en-US" sz="2400" dirty="0"/>
               <a:t>要能够处理</a:t>
             </a:r>
             <a:r>
-              <a:rPr lang="en-US" altLang="zh-CN" sz="2000" dirty="0"/>
+              <a:rPr lang="en-US" altLang="zh-CN" sz="2400" dirty="0"/>
               <a:t>SIGTERM</a:t>
             </a:r>
             <a:r>
-              <a:rPr lang="zh-CN" altLang="en-US" sz="2000" dirty="0"/>
+              <a:rPr lang="zh-CN" altLang="en-US" sz="2400" dirty="0"/>
               <a:t>信号，捕获信号以后，清理</a:t>
             </a:r>
             <a:r>
-              <a:rPr lang="en-US" altLang="zh-CN" sz="2000" dirty="0" err="1"/>
+              <a:rPr lang="en-US" altLang="zh-CN" sz="2400" dirty="0" err="1"/>
               <a:t>memcached</a:t>
             </a:r>
             <a:r>
-              <a:rPr lang="zh-CN" altLang="en-US" sz="2000" dirty="0"/>
+              <a:rPr lang="zh-CN" altLang="en-US" sz="2400" dirty="0"/>
               <a:t>缓存数据，关闭连接。</a:t>
             </a:r>
-            <a:endParaRPr lang="en-US" altLang="zh-CN" sz="2000" dirty="0"/>
-          </a:p>
-          <a:p>
-            <a:endParaRPr lang="en-US" altLang="zh-CN" sz="2000" dirty="0"/>
-          </a:p>
-          <a:p>
-            <a:r>
-              <a:rPr lang="zh-CN" altLang="en-US" sz="2000" dirty="0"/>
+            <a:endParaRPr lang="en-US" altLang="zh-CN" sz="2400" dirty="0"/>
+          </a:p>
+          <a:p>
+            <a:endParaRPr lang="en-US" altLang="zh-CN" sz="2400" dirty="0"/>
+          </a:p>
+          <a:p>
+            <a:r>
+              <a:rPr lang="zh-CN" altLang="en-US" sz="2400" dirty="0"/>
               <a:t>服务端程序仅仅是做转发处理。</a:t>
             </a:r>
-            <a:endParaRPr lang="en-US" altLang="zh-CN" sz="2000" dirty="0"/>
+            <a:endParaRPr lang="en-US" altLang="zh-CN" sz="2400" dirty="0"/>
           </a:p>
           <a:p>
             <a:endParaRPr lang="en-US" altLang="zh-CN" sz="1600" dirty="0"/>
-          </a:p>
-          <a:p>
-            <a:endParaRPr lang="en-US" altLang="zh-CN" sz="2000" dirty="0"/>
           </a:p>
         </p:txBody>
       </p:sp>
@@ -6406,26 +6710,26 @@
           <a:lstStyle/>
           <a:p>
             <a:r>
-              <a:rPr lang="zh-CN" altLang="en-US" sz="2000" dirty="0"/>
+              <a:rPr lang="zh-CN" altLang="en-US" sz="2400" dirty="0"/>
               <a:t>开启</a:t>
             </a:r>
             <a:r>
-              <a:rPr lang="en-US" altLang="zh-CN" sz="2000" dirty="0"/>
+              <a:rPr lang="en-US" altLang="zh-CN" sz="2400" dirty="0"/>
               <a:t>Memcached</a:t>
             </a:r>
             <a:r>
-              <a:rPr lang="zh-CN" altLang="en-US" sz="2000" dirty="0"/>
+              <a:rPr lang="zh-CN" altLang="en-US" sz="2400" dirty="0"/>
               <a:t>连接，并初始化</a:t>
             </a:r>
             <a:r>
-              <a:rPr lang="en-US" altLang="zh-CN" sz="2000" dirty="0" err="1"/>
+              <a:rPr lang="en-US" altLang="zh-CN" sz="2400" dirty="0" err="1"/>
               <a:t>websocket_server</a:t>
             </a:r>
             <a:r>
-              <a:rPr lang="zh-CN" altLang="en-US" sz="2000" dirty="0"/>
+              <a:rPr lang="zh-CN" altLang="en-US" sz="2400" dirty="0"/>
               <a:t>对象。</a:t>
             </a:r>
-            <a:endParaRPr lang="en-US" altLang="zh-CN" sz="2000" dirty="0"/>
+            <a:endParaRPr lang="en-US" altLang="zh-CN" sz="2400" dirty="0"/>
           </a:p>
           <a:p>
             <a:endParaRPr lang="en-US" altLang="zh-CN" sz="2000" dirty="0"/>
@@ -6568,18 +6872,18 @@
           <a:lstStyle/>
           <a:p>
             <a:r>
-              <a:rPr lang="zh-CN" altLang="en-US" sz="2000" dirty="0"/>
+              <a:rPr lang="zh-CN" altLang="en-US" sz="2400" dirty="0"/>
               <a:t>连接建立后要把连接信息加入到</a:t>
             </a:r>
             <a:r>
-              <a:rPr lang="en-US" altLang="zh-CN" sz="2000" dirty="0"/>
+              <a:rPr lang="en-US" altLang="zh-CN" sz="2400" dirty="0"/>
               <a:t>Memcached</a:t>
             </a:r>
             <a:r>
-              <a:rPr lang="zh-CN" altLang="en-US" sz="2000" dirty="0"/>
+              <a:rPr lang="zh-CN" altLang="en-US" sz="2400" dirty="0"/>
               <a:t>缓存。并返回一条提示信息。</a:t>
             </a:r>
-            <a:endParaRPr lang="en-US" altLang="zh-CN" sz="2000" dirty="0"/>
+            <a:endParaRPr lang="en-US" altLang="zh-CN" sz="2400" dirty="0"/>
           </a:p>
           <a:p>
             <a:endParaRPr lang="en-US" altLang="zh-CN" sz="2000" dirty="0"/>
@@ -6614,7 +6918,7 @@
         </p:blipFill>
         <p:spPr>
           <a:xfrm>
-            <a:off x="838199" y="2100160"/>
+            <a:off x="838200" y="2384357"/>
             <a:ext cx="10485659" cy="3395118"/>
           </a:xfrm>
           <a:prstGeom prst="rect">
@@ -6717,35 +7021,49 @@
           <a:lstStyle/>
           <a:p>
             <a:r>
-              <a:rPr lang="zh-CN" altLang="en-US" sz="2000" dirty="0"/>
-              <a:t>获取用户发送的数据。并判断如果数据为空则不转发。</a:t>
-            </a:r>
-            <a:endParaRPr lang="en-US" altLang="zh-CN" sz="2000" dirty="0"/>
-          </a:p>
-          <a:p>
-            <a:r>
-              <a:rPr lang="zh-CN" altLang="en-US" sz="2000" dirty="0"/>
-              <a:t>生成要发送的消息。</a:t>
-            </a:r>
-            <a:endParaRPr lang="en-US" altLang="zh-CN" sz="2000" dirty="0"/>
-          </a:p>
-          <a:p>
-            <a:r>
-              <a:rPr lang="zh-CN" altLang="en-US" sz="2000" dirty="0"/>
+              <a:rPr lang="zh-CN" altLang="en-US" sz="2400" dirty="0"/>
+              <a:t>获取用户发送的数据。并判断如果数据为空则不</a:t>
+            </a:r>
+            <a:r>
+              <a:rPr lang="zh-CN" altLang="en-US" sz="2400"/>
+              <a:t>转发。</a:t>
+            </a:r>
+            <a:endParaRPr lang="en-US" altLang="zh-CN" sz="2400"/>
+          </a:p>
+          <a:p>
+            <a:endParaRPr lang="en-US" altLang="zh-CN" sz="2400" dirty="0"/>
+          </a:p>
+          <a:p>
+            <a:r>
+              <a:rPr lang="zh-CN" altLang="en-US" sz="2400" dirty="0"/>
+              <a:t>生成要发送的</a:t>
+            </a:r>
+            <a:r>
+              <a:rPr lang="zh-CN" altLang="en-US" sz="2400"/>
+              <a:t>消息。</a:t>
+            </a:r>
+            <a:endParaRPr lang="en-US" altLang="zh-CN" sz="2400"/>
+          </a:p>
+          <a:p>
+            <a:endParaRPr lang="en-US" altLang="zh-CN" sz="2400" dirty="0"/>
+          </a:p>
+          <a:p>
+            <a:r>
+              <a:rPr lang="zh-CN" altLang="en-US" sz="2400" dirty="0"/>
               <a:t>从</a:t>
             </a:r>
             <a:r>
-              <a:rPr lang="en-US" altLang="zh-CN" sz="2000" dirty="0"/>
+              <a:rPr lang="en-US" altLang="zh-CN" sz="2400" dirty="0"/>
               <a:t>Memcached</a:t>
             </a:r>
             <a:r>
-              <a:rPr lang="zh-CN" altLang="en-US" sz="2000" dirty="0"/>
+              <a:rPr lang="zh-CN" altLang="en-US" sz="2400" dirty="0"/>
               <a:t>获取保存的所有连接，并判断如果不是当前连接则进行转发。</a:t>
             </a:r>
-            <a:endParaRPr lang="en-US" altLang="zh-CN" sz="2000" dirty="0"/>
-          </a:p>
-          <a:p>
-            <a:endParaRPr lang="en-US" altLang="zh-CN" sz="2000" dirty="0"/>
+            <a:endParaRPr lang="en-US" altLang="zh-CN" sz="2400" dirty="0"/>
+          </a:p>
+          <a:p>
+            <a:endParaRPr lang="en-US" altLang="zh-CN" sz="2400" dirty="0"/>
           </a:p>
         </p:txBody>
       </p:sp>
